--- a/careerai.pptx
+++ b/careerai.pptx
@@ -5,7 +5,7 @@
     <p:sldMasterId id="2147483657" r:id="rId1"/>
   </p:sldMasterIdLst>
   <p:notesMasterIdLst>
-    <p:notesMasterId r:id="rId11"/>
+    <p:notesMasterId r:id="rId13"/>
   </p:notesMasterIdLst>
   <p:sldIdLst>
     <p:sldId id="256" r:id="rId2"/>
@@ -14,19 +14,28 @@
     <p:sldId id="259" r:id="rId5"/>
     <p:sldId id="278" r:id="rId6"/>
     <p:sldId id="269" r:id="rId7"/>
-    <p:sldId id="280" r:id="rId8"/>
-    <p:sldId id="267" r:id="rId9"/>
-    <p:sldId id="283" r:id="rId10"/>
+    <p:sldId id="285" r:id="rId8"/>
+    <p:sldId id="280" r:id="rId9"/>
+    <p:sldId id="267" r:id="rId10"/>
+    <p:sldId id="284" r:id="rId11"/>
+    <p:sldId id="283" r:id="rId12"/>
   </p:sldIdLst>
   <p:sldSz cx="9144000" cy="5143500" type="screen16x9"/>
   <p:notesSz cx="6858000" cy="9144000"/>
   <p:embeddedFontLst>
     <p:embeddedFont>
       <p:font typeface="Rubik" panose="020B0604020202020204" charset="-79"/>
-      <p:regular r:id="rId12"/>
-      <p:bold r:id="rId13"/>
-      <p:italic r:id="rId14"/>
-      <p:boldItalic r:id="rId15"/>
+      <p:regular r:id="rId14"/>
+      <p:bold r:id="rId15"/>
+      <p:italic r:id="rId16"/>
+      <p:boldItalic r:id="rId17"/>
+    </p:embeddedFont>
+    <p:embeddedFont>
+      <p:font typeface="Arimo" panose="020B0604020202020204" charset="0"/>
+      <p:regular r:id="rId18"/>
+      <p:bold r:id="rId19"/>
+      <p:italic r:id="rId20"/>
+      <p:boldItalic r:id="rId21"/>
     </p:embeddedFont>
   </p:embeddedFontLst>
   <p:defaultTextStyle>
@@ -258,6 +267,11 @@
       </a:defRPr>
     </a:lvl9pPr>
   </p:defaultTextStyle>
+  <p:extLst>
+    <p:ext uri="{EFAFB233-063F-42B5-8137-9DF3F51BA10A}">
+      <p15:sldGuideLst xmlns:p15="http://schemas.microsoft.com/office/powerpoint/2012/main"/>
+    </p:ext>
+  </p:extLst>
 </p:presentation>
 </file>
 
@@ -3322,6 +3336,13 @@
         </dgm:presLayoutVars>
       </dgm:prSet>
       <dgm:spPr/>
+      <dgm:t>
+        <a:bodyPr/>
+        <a:lstStyle/>
+        <a:p>
+          <a:endParaRPr lang="en-US"/>
+        </a:p>
+      </dgm:t>
     </dgm:pt>
     <dgm:pt modelId="{9D676787-C6F5-446D-A32D-C53ECAFC7747}" type="pres">
       <dgm:prSet presAssocID="{67989FAB-C557-4701-9DF2-3EF008756B03}" presName="compNode" presStyleCnt="0"/>
@@ -3369,9 +3390,9 @@
     </dgm:pt>
   </dgm:ptLst>
   <dgm:cxnLst>
+    <dgm:cxn modelId="{1ADF12D5-41F9-436C-9F4F-D02D3C47F3B8}" type="presOf" srcId="{67989FAB-C557-4701-9DF2-3EF008756B03}" destId="{DE0C7F47-014C-45CB-9460-EB4B18909158}" srcOrd="0" destOrd="0" presId="urn:microsoft.com/office/officeart/2005/8/layout/pList1"/>
+    <dgm:cxn modelId="{2FF77984-C626-40E9-8173-D54B9EFFD991}" srcId="{395BF359-C31D-4DCD-BBFB-C4630F8D3A05}" destId="{67989FAB-C557-4701-9DF2-3EF008756B03}" srcOrd="0" destOrd="0" parTransId="{F0658F8F-3A03-4EEC-A0C1-F58C2EE1D3B9}" sibTransId="{9349A111-65B8-4963-B745-B9ED60538B74}"/>
     <dgm:cxn modelId="{ED23B86C-4FCB-4EA5-BF66-5F9A1BA0B891}" type="presOf" srcId="{395BF359-C31D-4DCD-BBFB-C4630F8D3A05}" destId="{D17DB2EE-F045-43D5-8F41-8820AF7FE653}" srcOrd="0" destOrd="0" presId="urn:microsoft.com/office/officeart/2005/8/layout/pList1"/>
-    <dgm:cxn modelId="{2FF77984-C626-40E9-8173-D54B9EFFD991}" srcId="{395BF359-C31D-4DCD-BBFB-C4630F8D3A05}" destId="{67989FAB-C557-4701-9DF2-3EF008756B03}" srcOrd="0" destOrd="0" parTransId="{F0658F8F-3A03-4EEC-A0C1-F58C2EE1D3B9}" sibTransId="{9349A111-65B8-4963-B745-B9ED60538B74}"/>
-    <dgm:cxn modelId="{1ADF12D5-41F9-436C-9F4F-D02D3C47F3B8}" type="presOf" srcId="{67989FAB-C557-4701-9DF2-3EF008756B03}" destId="{DE0C7F47-014C-45CB-9460-EB4B18909158}" srcOrd="0" destOrd="0" presId="urn:microsoft.com/office/officeart/2005/8/layout/pList1"/>
     <dgm:cxn modelId="{AA5BC3F7-543E-4A2D-90B4-D2E1F267590E}" type="presParOf" srcId="{D17DB2EE-F045-43D5-8F41-8820AF7FE653}" destId="{9D676787-C6F5-446D-A32D-C53ECAFC7747}" srcOrd="0" destOrd="0" presId="urn:microsoft.com/office/officeart/2005/8/layout/pList1"/>
     <dgm:cxn modelId="{FAAB8EDA-BCCE-45B6-AB9D-F1114737B278}" type="presParOf" srcId="{9D676787-C6F5-446D-A32D-C53ECAFC7747}" destId="{77B7F5CF-061B-41EE-A239-64028E469FAB}" srcOrd="0" destOrd="0" presId="urn:microsoft.com/office/officeart/2005/8/layout/pList1"/>
     <dgm:cxn modelId="{2D061E57-CFCD-466E-B249-BB1F4E302496}" type="presParOf" srcId="{9D676787-C6F5-446D-A32D-C53ECAFC7747}" destId="{DE0C7F47-014C-45CB-9460-EB4B18909158}" srcOrd="1" destOrd="0" presId="urn:microsoft.com/office/officeart/2005/8/layout/pList1"/>
@@ -3451,6 +3472,13 @@
         </dgm:presLayoutVars>
       </dgm:prSet>
       <dgm:spPr/>
+      <dgm:t>
+        <a:bodyPr/>
+        <a:lstStyle/>
+        <a:p>
+          <a:endParaRPr lang="en-US"/>
+        </a:p>
+      </dgm:t>
     </dgm:pt>
     <dgm:pt modelId="{9D676787-C6F5-446D-A32D-C53ECAFC7747}" type="pres">
       <dgm:prSet presAssocID="{67989FAB-C557-4701-9DF2-3EF008756B03}" presName="compNode" presStyleCnt="0"/>
@@ -3585,6 +3613,13 @@
         </dgm:presLayoutVars>
       </dgm:prSet>
       <dgm:spPr/>
+      <dgm:t>
+        <a:bodyPr/>
+        <a:lstStyle/>
+        <a:p>
+          <a:endParaRPr lang="en-US"/>
+        </a:p>
+      </dgm:t>
     </dgm:pt>
     <dgm:pt modelId="{9D676787-C6F5-446D-A32D-C53ECAFC7747}" type="pres">
       <dgm:prSet presAssocID="{67989FAB-C557-4701-9DF2-3EF008756B03}" presName="compNode" presStyleCnt="0"/>
@@ -3720,6 +3755,13 @@
         </dgm:presLayoutVars>
       </dgm:prSet>
       <dgm:spPr/>
+      <dgm:t>
+        <a:bodyPr/>
+        <a:lstStyle/>
+        <a:p>
+          <a:endParaRPr lang="en-US"/>
+        </a:p>
+      </dgm:t>
     </dgm:pt>
     <dgm:pt modelId="{9D676787-C6F5-446D-A32D-C53ECAFC7747}" type="pres">
       <dgm:prSet presAssocID="{67989FAB-C557-4701-9DF2-3EF008756B03}" presName="compNode" presStyleCnt="0"/>
@@ -9722,6 +9764,219 @@
 </p:notes>
 </file>
 
+<file path=ppt/notesSlides/notesSlide10.xml><?xml version="1.0" encoding="utf-8"?>
+<p:notes xmlns:a="http://schemas.openxmlformats.org/drawingml/2006/main" xmlns:r="http://schemas.openxmlformats.org/officeDocument/2006/relationships" xmlns:p="http://schemas.openxmlformats.org/presentationml/2006/main" showMasterSp="0" showMasterPhAnim="0">
+  <p:cSld>
+    <p:spTree>
+      <p:nvGrpSpPr>
+        <p:cNvPr id="1" name="Shape 253"/>
+        <p:cNvGrpSpPr/>
+        <p:nvPr/>
+      </p:nvGrpSpPr>
+      <p:grpSpPr>
+        <a:xfrm>
+          <a:off x="0" y="0"/>
+          <a:ext cx="0" cy="0"/>
+          <a:chOff x="0" y="0"/>
+          <a:chExt cx="0" cy="0"/>
+        </a:xfrm>
+      </p:grpSpPr>
+      <p:sp>
+        <p:nvSpPr>
+          <p:cNvPr id="254" name="Google Shape;254;g1067320065d_0_206:notes"/>
+          <p:cNvSpPr txBox="1">
+            <a:spLocks noGrp="1"/>
+          </p:cNvSpPr>
+          <p:nvPr>
+            <p:ph type="body" idx="1"/>
+          </p:nvPr>
+        </p:nvSpPr>
+        <p:spPr>
+          <a:xfrm>
+            <a:off x="685800" y="4343400"/>
+            <a:ext cx="5486400" cy="4114800"/>
+          </a:xfrm>
+          <a:prstGeom prst="rect">
+            <a:avLst/>
+          </a:prstGeom>
+        </p:spPr>
+        <p:txBody>
+          <a:bodyPr spcFirstLastPara="1" wrap="square" lIns="91425" tIns="91425" rIns="91425" bIns="91425" anchor="t" anchorCtr="0">
+            <a:noAutofit/>
+          </a:bodyPr>
+          <a:lstStyle/>
+          <a:p>
+            <a:pPr marL="0" lvl="0" indent="0" algn="l" rtl="0">
+              <a:spcBef>
+                <a:spcPts val="0"/>
+              </a:spcBef>
+              <a:spcAft>
+                <a:spcPts val="0"/>
+              </a:spcAft>
+              <a:buNone/>
+            </a:pPr>
+            <a:endParaRPr/>
+          </a:p>
+        </p:txBody>
+      </p:sp>
+      <p:sp>
+        <p:nvSpPr>
+          <p:cNvPr id="255" name="Google Shape;255;g1067320065d_0_206:notes"/>
+          <p:cNvSpPr>
+            <a:spLocks noGrp="1" noRot="1" noChangeAspect="1"/>
+          </p:cNvSpPr>
+          <p:nvPr>
+            <p:ph type="sldImg" idx="2"/>
+          </p:nvPr>
+        </p:nvSpPr>
+        <p:spPr>
+          <a:xfrm>
+            <a:off x="381000" y="685800"/>
+            <a:ext cx="6096000" cy="3429000"/>
+          </a:xfrm>
+          <a:custGeom>
+            <a:avLst/>
+            <a:gdLst/>
+            <a:ahLst/>
+            <a:cxnLst/>
+            <a:rect l="l" t="t" r="r" b="b"/>
+            <a:pathLst>
+              <a:path w="120000" h="120000" extrusionOk="0">
+                <a:moveTo>
+                  <a:pt x="0" y="0"/>
+                </a:moveTo>
+                <a:lnTo>
+                  <a:pt x="120000" y="0"/>
+                </a:lnTo>
+                <a:lnTo>
+                  <a:pt x="120000" y="120000"/>
+                </a:lnTo>
+                <a:lnTo>
+                  <a:pt x="0" y="120000"/>
+                </a:lnTo>
+                <a:close/>
+              </a:path>
+            </a:pathLst>
+          </a:custGeom>
+        </p:spPr>
+      </p:sp>
+    </p:spTree>
+    <p:extLst>
+      <p:ext uri="{BB962C8B-B14F-4D97-AF65-F5344CB8AC3E}">
+        <p14:creationId xmlns:p14="http://schemas.microsoft.com/office/powerpoint/2010/main" val="3639367035"/>
+      </p:ext>
+    </p:extLst>
+  </p:cSld>
+  <p:clrMapOvr>
+    <a:masterClrMapping/>
+  </p:clrMapOvr>
+</p:notes>
+</file>
+
+<file path=ppt/notesSlides/notesSlide11.xml><?xml version="1.0" encoding="utf-8"?>
+<p:notes xmlns:a="http://schemas.openxmlformats.org/drawingml/2006/main" xmlns:r="http://schemas.openxmlformats.org/officeDocument/2006/relationships" xmlns:p="http://schemas.openxmlformats.org/presentationml/2006/main" showMasterSp="0" showMasterPhAnim="0">
+  <p:cSld>
+    <p:spTree>
+      <p:nvGrpSpPr>
+        <p:cNvPr id="1" name="Shape 574"/>
+        <p:cNvGrpSpPr/>
+        <p:nvPr/>
+      </p:nvGrpSpPr>
+      <p:grpSpPr>
+        <a:xfrm>
+          <a:off x="0" y="0"/>
+          <a:ext cx="0" cy="0"/>
+          <a:chOff x="0" y="0"/>
+          <a:chExt cx="0" cy="0"/>
+        </a:xfrm>
+      </p:grpSpPr>
+      <p:sp>
+        <p:nvSpPr>
+          <p:cNvPr id="575" name="Google Shape;575;g41a98d525d_0_38:notes"/>
+          <p:cNvSpPr>
+            <a:spLocks noGrp="1" noRot="1" noChangeAspect="1"/>
+          </p:cNvSpPr>
+          <p:nvPr>
+            <p:ph type="sldImg" idx="2"/>
+          </p:nvPr>
+        </p:nvSpPr>
+        <p:spPr>
+          <a:xfrm>
+            <a:off x="381000" y="685800"/>
+            <a:ext cx="6096000" cy="3429000"/>
+          </a:xfrm>
+          <a:custGeom>
+            <a:avLst/>
+            <a:gdLst/>
+            <a:ahLst/>
+            <a:cxnLst/>
+            <a:rect l="l" t="t" r="r" b="b"/>
+            <a:pathLst>
+              <a:path w="120000" h="120000" extrusionOk="0">
+                <a:moveTo>
+                  <a:pt x="0" y="0"/>
+                </a:moveTo>
+                <a:lnTo>
+                  <a:pt x="120000" y="0"/>
+                </a:lnTo>
+                <a:lnTo>
+                  <a:pt x="120000" y="120000"/>
+                </a:lnTo>
+                <a:lnTo>
+                  <a:pt x="0" y="120000"/>
+                </a:lnTo>
+                <a:close/>
+              </a:path>
+            </a:pathLst>
+          </a:custGeom>
+        </p:spPr>
+      </p:sp>
+      <p:sp>
+        <p:nvSpPr>
+          <p:cNvPr id="576" name="Google Shape;576;g41a98d525d_0_38:notes"/>
+          <p:cNvSpPr txBox="1">
+            <a:spLocks noGrp="1"/>
+          </p:cNvSpPr>
+          <p:nvPr>
+            <p:ph type="body" idx="1"/>
+          </p:nvPr>
+        </p:nvSpPr>
+        <p:spPr>
+          <a:xfrm>
+            <a:off x="685800" y="4343400"/>
+            <a:ext cx="5486400" cy="4114800"/>
+          </a:xfrm>
+          <a:prstGeom prst="rect">
+            <a:avLst/>
+          </a:prstGeom>
+        </p:spPr>
+        <p:txBody>
+          <a:bodyPr spcFirstLastPara="1" wrap="square" lIns="91425" tIns="91425" rIns="91425" bIns="91425" anchor="t" anchorCtr="0">
+            <a:noAutofit/>
+          </a:bodyPr>
+          <a:lstStyle/>
+          <a:p>
+            <a:pPr marL="0" lvl="0" indent="0" algn="l" rtl="0">
+              <a:spcBef>
+                <a:spcPts val="0"/>
+              </a:spcBef>
+              <a:spcAft>
+                <a:spcPts val="0"/>
+              </a:spcAft>
+              <a:buNone/>
+            </a:pPr>
+            <a:endParaRPr/>
+          </a:p>
+        </p:txBody>
+      </p:sp>
+    </p:spTree>
+  </p:cSld>
+  <p:clrMapOvr>
+    <a:masterClrMapping/>
+  </p:clrMapOvr>
+</p:notes>
+</file>
+
 <file path=ppt/notesSlides/notesSlide2.xml><?xml version="1.0" encoding="utf-8"?>
 <p:notes xmlns:a="http://schemas.openxmlformats.org/drawingml/2006/main" xmlns:r="http://schemas.openxmlformats.org/officeDocument/2006/relationships" xmlns:p="http://schemas.openxmlformats.org/presentationml/2006/main" showMasterSp="0" showMasterPhAnim="0">
   <p:cSld>
@@ -10247,6 +10502,115 @@
   <p:cSld>
     <p:spTree>
       <p:nvGrpSpPr>
+        <p:cNvPr id="1" name="Shape 326"/>
+        <p:cNvGrpSpPr/>
+        <p:nvPr/>
+      </p:nvGrpSpPr>
+      <p:grpSpPr>
+        <a:xfrm>
+          <a:off x="0" y="0"/>
+          <a:ext cx="0" cy="0"/>
+          <a:chOff x="0" y="0"/>
+          <a:chExt cx="0" cy="0"/>
+        </a:xfrm>
+      </p:grpSpPr>
+      <p:sp>
+        <p:nvSpPr>
+          <p:cNvPr id="327" name="Google Shape;327;g1067320065d_0_277:notes"/>
+          <p:cNvSpPr txBox="1">
+            <a:spLocks noGrp="1"/>
+          </p:cNvSpPr>
+          <p:nvPr>
+            <p:ph type="body" idx="1"/>
+          </p:nvPr>
+        </p:nvSpPr>
+        <p:spPr>
+          <a:xfrm>
+            <a:off x="685800" y="4343400"/>
+            <a:ext cx="5486400" cy="4114800"/>
+          </a:xfrm>
+          <a:prstGeom prst="rect">
+            <a:avLst/>
+          </a:prstGeom>
+        </p:spPr>
+        <p:txBody>
+          <a:bodyPr spcFirstLastPara="1" wrap="square" lIns="91425" tIns="91425" rIns="91425" bIns="91425" anchor="t" anchorCtr="0">
+            <a:noAutofit/>
+          </a:bodyPr>
+          <a:lstStyle/>
+          <a:p>
+            <a:pPr marL="0" lvl="0" indent="0" algn="l" rtl="0">
+              <a:spcBef>
+                <a:spcPts val="0"/>
+              </a:spcBef>
+              <a:spcAft>
+                <a:spcPts val="0"/>
+              </a:spcAft>
+              <a:buNone/>
+            </a:pPr>
+            <a:endParaRPr/>
+          </a:p>
+        </p:txBody>
+      </p:sp>
+      <p:sp>
+        <p:nvSpPr>
+          <p:cNvPr id="328" name="Google Shape;328;g1067320065d_0_277:notes"/>
+          <p:cNvSpPr>
+            <a:spLocks noGrp="1" noRot="1" noChangeAspect="1"/>
+          </p:cNvSpPr>
+          <p:nvPr>
+            <p:ph type="sldImg" idx="2"/>
+          </p:nvPr>
+        </p:nvSpPr>
+        <p:spPr>
+          <a:xfrm>
+            <a:off x="381000" y="685800"/>
+            <a:ext cx="6096000" cy="3429000"/>
+          </a:xfrm>
+          <a:custGeom>
+            <a:avLst/>
+            <a:gdLst/>
+            <a:ahLst/>
+            <a:cxnLst/>
+            <a:rect l="l" t="t" r="r" b="b"/>
+            <a:pathLst>
+              <a:path w="120000" h="120000" extrusionOk="0">
+                <a:moveTo>
+                  <a:pt x="0" y="0"/>
+                </a:moveTo>
+                <a:lnTo>
+                  <a:pt x="120000" y="0"/>
+                </a:lnTo>
+                <a:lnTo>
+                  <a:pt x="120000" y="120000"/>
+                </a:lnTo>
+                <a:lnTo>
+                  <a:pt x="0" y="120000"/>
+                </a:lnTo>
+                <a:close/>
+              </a:path>
+            </a:pathLst>
+          </a:custGeom>
+        </p:spPr>
+      </p:sp>
+    </p:spTree>
+    <p:extLst>
+      <p:ext uri="{BB962C8B-B14F-4D97-AF65-F5344CB8AC3E}">
+        <p14:creationId xmlns:p14="http://schemas.microsoft.com/office/powerpoint/2010/main" val="2696337568"/>
+      </p:ext>
+    </p:extLst>
+  </p:cSld>
+  <p:clrMapOvr>
+    <a:masterClrMapping/>
+  </p:clrMapOvr>
+</p:notes>
+</file>
+
+<file path=ppt/notesSlides/notesSlide8.xml><?xml version="1.0" encoding="utf-8"?>
+<p:notes xmlns:a="http://schemas.openxmlformats.org/drawingml/2006/main" xmlns:r="http://schemas.openxmlformats.org/officeDocument/2006/relationships" xmlns:p="http://schemas.openxmlformats.org/presentationml/2006/main" showMasterSp="0" showMasterPhAnim="0">
+  <p:cSld>
+    <p:spTree>
+      <p:nvGrpSpPr>
         <p:cNvPr id="1" name="Shape 457"/>
         <p:cNvGrpSpPr/>
         <p:nvPr/>
@@ -10346,7 +10710,7 @@
 </p:notes>
 </file>
 
-<file path=ppt/notesSlides/notesSlide8.xml><?xml version="1.0" encoding="utf-8"?>
+<file path=ppt/notesSlides/notesSlide9.xml><?xml version="1.0" encoding="utf-8"?>
 <p:notes xmlns:a="http://schemas.openxmlformats.org/drawingml/2006/main" xmlns:r="http://schemas.openxmlformats.org/officeDocument/2006/relationships" xmlns:p="http://schemas.openxmlformats.org/presentationml/2006/main" showMasterSp="0" showMasterPhAnim="0">
   <p:cSld>
     <p:spTree>
@@ -10441,110 +10805,6 @@
             </a:pathLst>
           </a:custGeom>
         </p:spPr>
-      </p:sp>
-    </p:spTree>
-  </p:cSld>
-  <p:clrMapOvr>
-    <a:masterClrMapping/>
-  </p:clrMapOvr>
-</p:notes>
-</file>
-
-<file path=ppt/notesSlides/notesSlide9.xml><?xml version="1.0" encoding="utf-8"?>
-<p:notes xmlns:a="http://schemas.openxmlformats.org/drawingml/2006/main" xmlns:r="http://schemas.openxmlformats.org/officeDocument/2006/relationships" xmlns:p="http://schemas.openxmlformats.org/presentationml/2006/main" showMasterSp="0" showMasterPhAnim="0">
-  <p:cSld>
-    <p:spTree>
-      <p:nvGrpSpPr>
-        <p:cNvPr id="1" name="Shape 574"/>
-        <p:cNvGrpSpPr/>
-        <p:nvPr/>
-      </p:nvGrpSpPr>
-      <p:grpSpPr>
-        <a:xfrm>
-          <a:off x="0" y="0"/>
-          <a:ext cx="0" cy="0"/>
-          <a:chOff x="0" y="0"/>
-          <a:chExt cx="0" cy="0"/>
-        </a:xfrm>
-      </p:grpSpPr>
-      <p:sp>
-        <p:nvSpPr>
-          <p:cNvPr id="575" name="Google Shape;575;g41a98d525d_0_38:notes"/>
-          <p:cNvSpPr>
-            <a:spLocks noGrp="1" noRot="1" noChangeAspect="1"/>
-          </p:cNvSpPr>
-          <p:nvPr>
-            <p:ph type="sldImg" idx="2"/>
-          </p:nvPr>
-        </p:nvSpPr>
-        <p:spPr>
-          <a:xfrm>
-            <a:off x="381000" y="685800"/>
-            <a:ext cx="6096000" cy="3429000"/>
-          </a:xfrm>
-          <a:custGeom>
-            <a:avLst/>
-            <a:gdLst/>
-            <a:ahLst/>
-            <a:cxnLst/>
-            <a:rect l="l" t="t" r="r" b="b"/>
-            <a:pathLst>
-              <a:path w="120000" h="120000" extrusionOk="0">
-                <a:moveTo>
-                  <a:pt x="0" y="0"/>
-                </a:moveTo>
-                <a:lnTo>
-                  <a:pt x="120000" y="0"/>
-                </a:lnTo>
-                <a:lnTo>
-                  <a:pt x="120000" y="120000"/>
-                </a:lnTo>
-                <a:lnTo>
-                  <a:pt x="0" y="120000"/>
-                </a:lnTo>
-                <a:close/>
-              </a:path>
-            </a:pathLst>
-          </a:custGeom>
-        </p:spPr>
-      </p:sp>
-      <p:sp>
-        <p:nvSpPr>
-          <p:cNvPr id="576" name="Google Shape;576;g41a98d525d_0_38:notes"/>
-          <p:cNvSpPr txBox="1">
-            <a:spLocks noGrp="1"/>
-          </p:cNvSpPr>
-          <p:nvPr>
-            <p:ph type="body" idx="1"/>
-          </p:nvPr>
-        </p:nvSpPr>
-        <p:spPr>
-          <a:xfrm>
-            <a:off x="685800" y="4343400"/>
-            <a:ext cx="5486400" cy="4114800"/>
-          </a:xfrm>
-          <a:prstGeom prst="rect">
-            <a:avLst/>
-          </a:prstGeom>
-        </p:spPr>
-        <p:txBody>
-          <a:bodyPr spcFirstLastPara="1" wrap="square" lIns="91425" tIns="91425" rIns="91425" bIns="91425" anchor="t" anchorCtr="0">
-            <a:noAutofit/>
-          </a:bodyPr>
-          <a:lstStyle/>
-          <a:p>
-            <a:pPr marL="0" lvl="0" indent="0" algn="l" rtl="0">
-              <a:spcBef>
-                <a:spcPts val="0"/>
-              </a:spcBef>
-              <a:spcAft>
-                <a:spcPts val="0"/>
-              </a:spcAft>
-              <a:buNone/>
-            </a:pPr>
-            <a:endParaRPr/>
-          </a:p>
-        </p:txBody>
       </p:sp>
     </p:spTree>
   </p:cSld>
@@ -16738,6 +16998,1031 @@
 </p:sld>
 </file>
 
+<file path=ppt/slides/slide10.xml><?xml version="1.0" encoding="utf-8"?>
+<p:sld xmlns:a="http://schemas.openxmlformats.org/drawingml/2006/main" xmlns:r="http://schemas.openxmlformats.org/officeDocument/2006/relationships" xmlns:p="http://schemas.openxmlformats.org/presentationml/2006/main">
+  <p:cSld>
+    <p:bg>
+      <p:bgPr>
+        <a:solidFill>
+          <a:schemeClr val="tx1"/>
+        </a:solidFill>
+        <a:effectLst/>
+      </p:bgPr>
+    </p:bg>
+    <p:spTree>
+      <p:nvGrpSpPr>
+        <p:cNvPr id="1" name="Shape 256"/>
+        <p:cNvGrpSpPr/>
+        <p:nvPr/>
+      </p:nvGrpSpPr>
+      <p:grpSpPr>
+        <a:xfrm>
+          <a:off x="0" y="0"/>
+          <a:ext cx="0" cy="0"/>
+          <a:chOff x="0" y="0"/>
+          <a:chExt cx="0" cy="0"/>
+        </a:xfrm>
+      </p:grpSpPr>
+      <p:grpSp>
+        <p:nvGrpSpPr>
+          <p:cNvPr id="257" name="Google Shape;257;p23"/>
+          <p:cNvGrpSpPr/>
+          <p:nvPr/>
+        </p:nvGrpSpPr>
+        <p:grpSpPr>
+          <a:xfrm>
+            <a:off x="694725" y="3928193"/>
+            <a:ext cx="1641825" cy="445182"/>
+            <a:chOff x="0" y="-28575"/>
+            <a:chExt cx="4378200" cy="1187151"/>
+          </a:xfrm>
+        </p:grpSpPr>
+        <p:sp>
+          <p:nvSpPr>
+            <p:cNvPr id="258" name="Google Shape;258;p23"/>
+            <p:cNvSpPr txBox="1"/>
+            <p:nvPr/>
+          </p:nvSpPr>
+          <p:spPr>
+            <a:xfrm>
+              <a:off x="0" y="707076"/>
+              <a:ext cx="4378200" cy="451500"/>
+            </a:xfrm>
+            <a:prstGeom prst="rect">
+              <a:avLst/>
+            </a:prstGeom>
+            <a:noFill/>
+            <a:ln>
+              <a:noFill/>
+            </a:ln>
+          </p:spPr>
+          <p:txBody>
+            <a:bodyPr spcFirstLastPara="1" wrap="square" lIns="0" tIns="0" rIns="0" bIns="0" anchor="t" anchorCtr="0">
+              <a:spAutoFit/>
+            </a:bodyPr>
+            <a:lstStyle/>
+            <a:p>
+              <a:pPr marL="0" marR="0" lvl="0" indent="0" algn="ctr" rtl="0">
+                <a:lnSpc>
+                  <a:spcPct val="120000"/>
+                </a:lnSpc>
+                <a:spcBef>
+                  <a:spcPts val="0"/>
+                </a:spcBef>
+                <a:spcAft>
+                  <a:spcPts val="0"/>
+                </a:spcAft>
+                <a:buNone/>
+              </a:pPr>
+              <a:r>
+                <a:rPr lang="en" sz="1100">
+                  <a:solidFill>
+                    <a:schemeClr val="lt1"/>
+                  </a:solidFill>
+                  <a:latin typeface="Rubik"/>
+                  <a:ea typeface="Rubik"/>
+                  <a:cs typeface="Rubik"/>
+                  <a:sym typeface="Rubik"/>
+                </a:rPr>
+                <a:t>Title or Position</a:t>
+              </a:r>
+              <a:endParaRPr sz="700">
+                <a:solidFill>
+                  <a:schemeClr val="lt1"/>
+                </a:solidFill>
+              </a:endParaRPr>
+            </a:p>
+          </p:txBody>
+        </p:sp>
+        <p:sp>
+          <p:nvSpPr>
+            <p:cNvPr id="259" name="Google Shape;259;p23"/>
+            <p:cNvSpPr txBox="1"/>
+            <p:nvPr/>
+          </p:nvSpPr>
+          <p:spPr>
+            <a:xfrm>
+              <a:off x="0" y="-28575"/>
+              <a:ext cx="4378200" cy="1141200"/>
+            </a:xfrm>
+            <a:prstGeom prst="rect">
+              <a:avLst/>
+            </a:prstGeom>
+            <a:noFill/>
+            <a:ln>
+              <a:noFill/>
+            </a:ln>
+          </p:spPr>
+          <p:txBody>
+            <a:bodyPr spcFirstLastPara="1" wrap="square" lIns="0" tIns="0" rIns="0" bIns="0" anchor="t" anchorCtr="0">
+              <a:spAutoFit/>
+            </a:bodyPr>
+            <a:lstStyle/>
+            <a:p>
+              <a:pPr marL="0" lvl="0" indent="0" algn="ctr" rtl="0">
+                <a:lnSpc>
+                  <a:spcPct val="120000"/>
+                </a:lnSpc>
+                <a:spcBef>
+                  <a:spcPts val="0"/>
+                </a:spcBef>
+                <a:spcAft>
+                  <a:spcPts val="0"/>
+                </a:spcAft>
+                <a:buNone/>
+              </a:pPr>
+              <a:r>
+                <a:rPr lang="en" b="1">
+                  <a:solidFill>
+                    <a:schemeClr val="lt1"/>
+                  </a:solidFill>
+                  <a:latin typeface="Rubik"/>
+                  <a:ea typeface="Rubik"/>
+                  <a:cs typeface="Rubik"/>
+                  <a:sym typeface="Rubik"/>
+                </a:rPr>
+                <a:t>NAME</a:t>
+              </a:r>
+              <a:endParaRPr b="1">
+                <a:solidFill>
+                  <a:schemeClr val="lt1"/>
+                </a:solidFill>
+                <a:latin typeface="Rubik"/>
+                <a:ea typeface="Rubik"/>
+                <a:cs typeface="Rubik"/>
+                <a:sym typeface="Rubik"/>
+              </a:endParaRPr>
+            </a:p>
+            <a:p>
+              <a:pPr marL="0" marR="0" lvl="0" indent="0" algn="ctr" rtl="0">
+                <a:lnSpc>
+                  <a:spcPct val="120000"/>
+                </a:lnSpc>
+                <a:spcBef>
+                  <a:spcPts val="0"/>
+                </a:spcBef>
+                <a:spcAft>
+                  <a:spcPts val="0"/>
+                </a:spcAft>
+                <a:buNone/>
+              </a:pPr>
+              <a:endParaRPr sz="1100">
+                <a:solidFill>
+                  <a:schemeClr val="lt1"/>
+                </a:solidFill>
+                <a:latin typeface="Rubik"/>
+                <a:ea typeface="Rubik"/>
+                <a:cs typeface="Rubik"/>
+                <a:sym typeface="Rubik"/>
+              </a:endParaRPr>
+            </a:p>
+          </p:txBody>
+        </p:sp>
+      </p:grpSp>
+      <p:grpSp>
+        <p:nvGrpSpPr>
+          <p:cNvPr id="260" name="Google Shape;260;p23"/>
+          <p:cNvGrpSpPr/>
+          <p:nvPr/>
+        </p:nvGrpSpPr>
+        <p:grpSpPr>
+          <a:xfrm>
+            <a:off x="2732300" y="3928193"/>
+            <a:ext cx="1641825" cy="445182"/>
+            <a:chOff x="0" y="-28575"/>
+            <a:chExt cx="4378200" cy="1187151"/>
+          </a:xfrm>
+        </p:grpSpPr>
+        <p:sp>
+          <p:nvSpPr>
+            <p:cNvPr id="261" name="Google Shape;261;p23"/>
+            <p:cNvSpPr txBox="1"/>
+            <p:nvPr/>
+          </p:nvSpPr>
+          <p:spPr>
+            <a:xfrm>
+              <a:off x="0" y="707076"/>
+              <a:ext cx="4378200" cy="451500"/>
+            </a:xfrm>
+            <a:prstGeom prst="rect">
+              <a:avLst/>
+            </a:prstGeom>
+            <a:noFill/>
+            <a:ln>
+              <a:noFill/>
+            </a:ln>
+          </p:spPr>
+          <p:txBody>
+            <a:bodyPr spcFirstLastPara="1" wrap="square" lIns="0" tIns="0" rIns="0" bIns="0" anchor="t" anchorCtr="0">
+              <a:spAutoFit/>
+            </a:bodyPr>
+            <a:lstStyle/>
+            <a:p>
+              <a:pPr marL="0" marR="0" lvl="0" indent="0" algn="ctr" rtl="0">
+                <a:lnSpc>
+                  <a:spcPct val="120000"/>
+                </a:lnSpc>
+                <a:spcBef>
+                  <a:spcPts val="0"/>
+                </a:spcBef>
+                <a:spcAft>
+                  <a:spcPts val="0"/>
+                </a:spcAft>
+                <a:buNone/>
+              </a:pPr>
+              <a:r>
+                <a:rPr lang="en" sz="1100">
+                  <a:solidFill>
+                    <a:schemeClr val="lt1"/>
+                  </a:solidFill>
+                  <a:latin typeface="Rubik"/>
+                  <a:ea typeface="Rubik"/>
+                  <a:cs typeface="Rubik"/>
+                  <a:sym typeface="Rubik"/>
+                </a:rPr>
+                <a:t>Title or Position</a:t>
+              </a:r>
+              <a:endParaRPr sz="700">
+                <a:solidFill>
+                  <a:schemeClr val="lt1"/>
+                </a:solidFill>
+              </a:endParaRPr>
+            </a:p>
+          </p:txBody>
+        </p:sp>
+        <p:sp>
+          <p:nvSpPr>
+            <p:cNvPr id="262" name="Google Shape;262;p23"/>
+            <p:cNvSpPr txBox="1"/>
+            <p:nvPr/>
+          </p:nvSpPr>
+          <p:spPr>
+            <a:xfrm>
+              <a:off x="0" y="-28575"/>
+              <a:ext cx="4378200" cy="1141200"/>
+            </a:xfrm>
+            <a:prstGeom prst="rect">
+              <a:avLst/>
+            </a:prstGeom>
+            <a:noFill/>
+            <a:ln>
+              <a:noFill/>
+            </a:ln>
+          </p:spPr>
+          <p:txBody>
+            <a:bodyPr spcFirstLastPara="1" wrap="square" lIns="0" tIns="0" rIns="0" bIns="0" anchor="t" anchorCtr="0">
+              <a:spAutoFit/>
+            </a:bodyPr>
+            <a:lstStyle/>
+            <a:p>
+              <a:pPr marL="0" lvl="0" indent="0" algn="ctr" rtl="0">
+                <a:lnSpc>
+                  <a:spcPct val="120000"/>
+                </a:lnSpc>
+                <a:spcBef>
+                  <a:spcPts val="0"/>
+                </a:spcBef>
+                <a:spcAft>
+                  <a:spcPts val="0"/>
+                </a:spcAft>
+                <a:buNone/>
+              </a:pPr>
+              <a:r>
+                <a:rPr lang="en" b="1">
+                  <a:solidFill>
+                    <a:schemeClr val="lt1"/>
+                  </a:solidFill>
+                  <a:latin typeface="Rubik"/>
+                  <a:ea typeface="Rubik"/>
+                  <a:cs typeface="Rubik"/>
+                  <a:sym typeface="Rubik"/>
+                </a:rPr>
+                <a:t>NAME</a:t>
+              </a:r>
+              <a:endParaRPr b="1">
+                <a:solidFill>
+                  <a:schemeClr val="lt1"/>
+                </a:solidFill>
+                <a:latin typeface="Rubik"/>
+                <a:ea typeface="Rubik"/>
+                <a:cs typeface="Rubik"/>
+                <a:sym typeface="Rubik"/>
+              </a:endParaRPr>
+            </a:p>
+            <a:p>
+              <a:pPr marL="0" marR="0" lvl="0" indent="0" algn="ctr" rtl="0">
+                <a:lnSpc>
+                  <a:spcPct val="120000"/>
+                </a:lnSpc>
+                <a:spcBef>
+                  <a:spcPts val="0"/>
+                </a:spcBef>
+                <a:spcAft>
+                  <a:spcPts val="0"/>
+                </a:spcAft>
+                <a:buNone/>
+              </a:pPr>
+              <a:endParaRPr sz="1100">
+                <a:solidFill>
+                  <a:schemeClr val="lt1"/>
+                </a:solidFill>
+                <a:latin typeface="Rubik"/>
+                <a:ea typeface="Rubik"/>
+                <a:cs typeface="Rubik"/>
+                <a:sym typeface="Rubik"/>
+              </a:endParaRPr>
+            </a:p>
+          </p:txBody>
+        </p:sp>
+      </p:grpSp>
+      <p:grpSp>
+        <p:nvGrpSpPr>
+          <p:cNvPr id="263" name="Google Shape;263;p23"/>
+          <p:cNvGrpSpPr/>
+          <p:nvPr/>
+        </p:nvGrpSpPr>
+        <p:grpSpPr>
+          <a:xfrm>
+            <a:off x="4783014" y="3931300"/>
+            <a:ext cx="1641825" cy="445182"/>
+            <a:chOff x="0" y="-28575"/>
+            <a:chExt cx="4378200" cy="1187151"/>
+          </a:xfrm>
+        </p:grpSpPr>
+        <p:sp>
+          <p:nvSpPr>
+            <p:cNvPr id="264" name="Google Shape;264;p23"/>
+            <p:cNvSpPr txBox="1"/>
+            <p:nvPr/>
+          </p:nvSpPr>
+          <p:spPr>
+            <a:xfrm>
+              <a:off x="0" y="707076"/>
+              <a:ext cx="4378200" cy="451500"/>
+            </a:xfrm>
+            <a:prstGeom prst="rect">
+              <a:avLst/>
+            </a:prstGeom>
+            <a:noFill/>
+            <a:ln>
+              <a:noFill/>
+            </a:ln>
+          </p:spPr>
+          <p:txBody>
+            <a:bodyPr spcFirstLastPara="1" wrap="square" lIns="0" tIns="0" rIns="0" bIns="0" anchor="t" anchorCtr="0">
+              <a:spAutoFit/>
+            </a:bodyPr>
+            <a:lstStyle/>
+            <a:p>
+              <a:pPr marL="0" marR="0" lvl="0" indent="0" algn="ctr" rtl="0">
+                <a:lnSpc>
+                  <a:spcPct val="120000"/>
+                </a:lnSpc>
+                <a:spcBef>
+                  <a:spcPts val="0"/>
+                </a:spcBef>
+                <a:spcAft>
+                  <a:spcPts val="0"/>
+                </a:spcAft>
+                <a:buNone/>
+              </a:pPr>
+              <a:r>
+                <a:rPr lang="en" sz="1100">
+                  <a:solidFill>
+                    <a:schemeClr val="lt1"/>
+                  </a:solidFill>
+                  <a:latin typeface="Rubik"/>
+                  <a:ea typeface="Rubik"/>
+                  <a:cs typeface="Rubik"/>
+                  <a:sym typeface="Rubik"/>
+                </a:rPr>
+                <a:t>Title or Position</a:t>
+              </a:r>
+              <a:endParaRPr sz="700">
+                <a:solidFill>
+                  <a:schemeClr val="lt1"/>
+                </a:solidFill>
+              </a:endParaRPr>
+            </a:p>
+          </p:txBody>
+        </p:sp>
+        <p:sp>
+          <p:nvSpPr>
+            <p:cNvPr id="265" name="Google Shape;265;p23"/>
+            <p:cNvSpPr txBox="1"/>
+            <p:nvPr/>
+          </p:nvSpPr>
+          <p:spPr>
+            <a:xfrm>
+              <a:off x="0" y="-28575"/>
+              <a:ext cx="4378200" cy="574500"/>
+            </a:xfrm>
+            <a:prstGeom prst="rect">
+              <a:avLst/>
+            </a:prstGeom>
+            <a:noFill/>
+            <a:ln>
+              <a:noFill/>
+            </a:ln>
+          </p:spPr>
+          <p:txBody>
+            <a:bodyPr spcFirstLastPara="1" wrap="square" lIns="0" tIns="0" rIns="0" bIns="0" anchor="t" anchorCtr="0">
+              <a:spAutoFit/>
+            </a:bodyPr>
+            <a:lstStyle/>
+            <a:p>
+              <a:pPr marL="0" marR="0" lvl="0" indent="0" algn="ctr" rtl="0">
+                <a:lnSpc>
+                  <a:spcPct val="120000"/>
+                </a:lnSpc>
+                <a:spcBef>
+                  <a:spcPts val="0"/>
+                </a:spcBef>
+                <a:spcAft>
+                  <a:spcPts val="0"/>
+                </a:spcAft>
+                <a:buNone/>
+              </a:pPr>
+              <a:r>
+                <a:rPr lang="en" b="1">
+                  <a:solidFill>
+                    <a:schemeClr val="lt1"/>
+                  </a:solidFill>
+                  <a:latin typeface="Rubik"/>
+                  <a:ea typeface="Rubik"/>
+                  <a:cs typeface="Rubik"/>
+                  <a:sym typeface="Rubik"/>
+                </a:rPr>
+                <a:t>NAME</a:t>
+              </a:r>
+              <a:endParaRPr b="1">
+                <a:solidFill>
+                  <a:schemeClr val="lt1"/>
+                </a:solidFill>
+                <a:latin typeface="Rubik"/>
+                <a:ea typeface="Rubik"/>
+                <a:cs typeface="Rubik"/>
+                <a:sym typeface="Rubik"/>
+              </a:endParaRPr>
+            </a:p>
+          </p:txBody>
+        </p:sp>
+      </p:grpSp>
+      <p:grpSp>
+        <p:nvGrpSpPr>
+          <p:cNvPr id="266" name="Google Shape;266;p23"/>
+          <p:cNvGrpSpPr/>
+          <p:nvPr/>
+        </p:nvGrpSpPr>
+        <p:grpSpPr>
+          <a:xfrm>
+            <a:off x="6807451" y="3931300"/>
+            <a:ext cx="1641825" cy="445182"/>
+            <a:chOff x="0" y="-28575"/>
+            <a:chExt cx="4378200" cy="1187151"/>
+          </a:xfrm>
+        </p:grpSpPr>
+        <p:sp>
+          <p:nvSpPr>
+            <p:cNvPr id="267" name="Google Shape;267;p23"/>
+            <p:cNvSpPr txBox="1"/>
+            <p:nvPr/>
+          </p:nvSpPr>
+          <p:spPr>
+            <a:xfrm>
+              <a:off x="0" y="707076"/>
+              <a:ext cx="4378200" cy="451500"/>
+            </a:xfrm>
+            <a:prstGeom prst="rect">
+              <a:avLst/>
+            </a:prstGeom>
+            <a:noFill/>
+            <a:ln>
+              <a:noFill/>
+            </a:ln>
+          </p:spPr>
+          <p:txBody>
+            <a:bodyPr spcFirstLastPara="1" wrap="square" lIns="0" tIns="0" rIns="0" bIns="0" anchor="t" anchorCtr="0">
+              <a:spAutoFit/>
+            </a:bodyPr>
+            <a:lstStyle/>
+            <a:p>
+              <a:pPr marL="0" marR="0" lvl="0" indent="0" algn="ctr" rtl="0">
+                <a:lnSpc>
+                  <a:spcPct val="120000"/>
+                </a:lnSpc>
+                <a:spcBef>
+                  <a:spcPts val="0"/>
+                </a:spcBef>
+                <a:spcAft>
+                  <a:spcPts val="0"/>
+                </a:spcAft>
+                <a:buNone/>
+              </a:pPr>
+              <a:r>
+                <a:rPr lang="en" sz="1100">
+                  <a:solidFill>
+                    <a:schemeClr val="lt1"/>
+                  </a:solidFill>
+                  <a:latin typeface="Rubik"/>
+                  <a:ea typeface="Rubik"/>
+                  <a:cs typeface="Rubik"/>
+                  <a:sym typeface="Rubik"/>
+                </a:rPr>
+                <a:t>Title or Position</a:t>
+              </a:r>
+              <a:endParaRPr sz="700">
+                <a:solidFill>
+                  <a:schemeClr val="lt1"/>
+                </a:solidFill>
+              </a:endParaRPr>
+            </a:p>
+          </p:txBody>
+        </p:sp>
+        <p:sp>
+          <p:nvSpPr>
+            <p:cNvPr id="268" name="Google Shape;268;p23"/>
+            <p:cNvSpPr txBox="1"/>
+            <p:nvPr/>
+          </p:nvSpPr>
+          <p:spPr>
+            <a:xfrm>
+              <a:off x="0" y="-28575"/>
+              <a:ext cx="4378200" cy="574500"/>
+            </a:xfrm>
+            <a:prstGeom prst="rect">
+              <a:avLst/>
+            </a:prstGeom>
+            <a:noFill/>
+            <a:ln>
+              <a:noFill/>
+            </a:ln>
+          </p:spPr>
+          <p:txBody>
+            <a:bodyPr spcFirstLastPara="1" wrap="square" lIns="0" tIns="0" rIns="0" bIns="0" anchor="t" anchorCtr="0">
+              <a:spAutoFit/>
+            </a:bodyPr>
+            <a:lstStyle/>
+            <a:p>
+              <a:pPr marL="0" marR="0" lvl="0" indent="0" algn="ctr" rtl="0">
+                <a:lnSpc>
+                  <a:spcPct val="120000"/>
+                </a:lnSpc>
+                <a:spcBef>
+                  <a:spcPts val="0"/>
+                </a:spcBef>
+                <a:spcAft>
+                  <a:spcPts val="0"/>
+                </a:spcAft>
+                <a:buNone/>
+              </a:pPr>
+              <a:r>
+                <a:rPr lang="en" b="1">
+                  <a:solidFill>
+                    <a:schemeClr val="lt1"/>
+                  </a:solidFill>
+                  <a:latin typeface="Rubik"/>
+                  <a:ea typeface="Rubik"/>
+                  <a:cs typeface="Rubik"/>
+                  <a:sym typeface="Rubik"/>
+                </a:rPr>
+                <a:t>NAME</a:t>
+              </a:r>
+              <a:endParaRPr b="1">
+                <a:solidFill>
+                  <a:schemeClr val="lt1"/>
+                </a:solidFill>
+              </a:endParaRPr>
+            </a:p>
+          </p:txBody>
+        </p:sp>
+      </p:grpSp>
+      <p:grpSp>
+        <p:nvGrpSpPr>
+          <p:cNvPr id="269" name="Google Shape;269;p23"/>
+          <p:cNvGrpSpPr/>
+          <p:nvPr/>
+        </p:nvGrpSpPr>
+        <p:grpSpPr>
+          <a:xfrm>
+            <a:off x="806267" y="890346"/>
+            <a:ext cx="7743263" cy="859753"/>
+            <a:chOff x="0" y="-19050"/>
+            <a:chExt cx="20648700" cy="2292674"/>
+          </a:xfrm>
+        </p:grpSpPr>
+        <p:sp>
+          <p:nvSpPr>
+            <p:cNvPr id="270" name="Google Shape;270;p23"/>
+            <p:cNvSpPr txBox="1"/>
+            <p:nvPr/>
+          </p:nvSpPr>
+          <p:spPr>
+            <a:xfrm>
+              <a:off x="0" y="1739924"/>
+              <a:ext cx="20648700" cy="533700"/>
+            </a:xfrm>
+            <a:prstGeom prst="rect">
+              <a:avLst/>
+            </a:prstGeom>
+            <a:noFill/>
+            <a:ln>
+              <a:noFill/>
+            </a:ln>
+          </p:spPr>
+          <p:txBody>
+            <a:bodyPr spcFirstLastPara="1" wrap="square" lIns="0" tIns="0" rIns="0" bIns="0" anchor="t" anchorCtr="0">
+              <a:spAutoFit/>
+            </a:bodyPr>
+            <a:lstStyle/>
+            <a:p>
+              <a:pPr marL="0" marR="0" lvl="0" indent="0" algn="ctr" rtl="0">
+                <a:lnSpc>
+                  <a:spcPct val="120000"/>
+                </a:lnSpc>
+                <a:spcBef>
+                  <a:spcPts val="0"/>
+                </a:spcBef>
+                <a:spcAft>
+                  <a:spcPts val="0"/>
+                </a:spcAft>
+                <a:buNone/>
+              </a:pPr>
+              <a:r>
+                <a:rPr lang="en" sz="1300">
+                  <a:solidFill>
+                    <a:schemeClr val="lt1"/>
+                  </a:solidFill>
+                  <a:latin typeface="Rubik"/>
+                  <a:ea typeface="Rubik"/>
+                  <a:cs typeface="Rubik"/>
+                  <a:sym typeface="Rubik"/>
+                </a:rPr>
+                <a:t>Elaborate on what you want to discuss.</a:t>
+              </a:r>
+              <a:r>
+                <a:rPr lang="en" sz="600">
+                  <a:solidFill>
+                    <a:schemeClr val="lt1"/>
+                  </a:solidFill>
+                  <a:latin typeface="Arimo"/>
+                  <a:ea typeface="Arimo"/>
+                  <a:cs typeface="Arimo"/>
+                  <a:sym typeface="Arimo"/>
+                </a:rPr>
+                <a:t> </a:t>
+              </a:r>
+              <a:endParaRPr sz="700">
+                <a:solidFill>
+                  <a:schemeClr val="lt1"/>
+                </a:solidFill>
+              </a:endParaRPr>
+            </a:p>
+          </p:txBody>
+        </p:sp>
+        <p:sp>
+          <p:nvSpPr>
+            <p:cNvPr id="271" name="Google Shape;271;p23"/>
+            <p:cNvSpPr txBox="1"/>
+            <p:nvPr/>
+          </p:nvSpPr>
+          <p:spPr>
+            <a:xfrm>
+              <a:off x="0" y="-19050"/>
+              <a:ext cx="20648700" cy="1641900"/>
+            </a:xfrm>
+            <a:prstGeom prst="rect">
+              <a:avLst/>
+            </a:prstGeom>
+            <a:noFill/>
+            <a:ln>
+              <a:noFill/>
+            </a:ln>
+          </p:spPr>
+          <p:txBody>
+            <a:bodyPr spcFirstLastPara="1" wrap="square" lIns="0" tIns="0" rIns="0" bIns="0" anchor="t" anchorCtr="0">
+              <a:spAutoFit/>
+            </a:bodyPr>
+            <a:lstStyle/>
+            <a:p>
+              <a:pPr marL="0" marR="0" lvl="0" indent="0" algn="ctr" rtl="0">
+                <a:lnSpc>
+                  <a:spcPct val="100000"/>
+                </a:lnSpc>
+                <a:spcBef>
+                  <a:spcPts val="0"/>
+                </a:spcBef>
+                <a:spcAft>
+                  <a:spcPts val="0"/>
+                </a:spcAft>
+                <a:buNone/>
+              </a:pPr>
+              <a:r>
+                <a:rPr lang="en" sz="4000">
+                  <a:solidFill>
+                    <a:schemeClr val="lt1"/>
+                  </a:solidFill>
+                  <a:latin typeface="Rubik"/>
+                  <a:ea typeface="Rubik"/>
+                  <a:cs typeface="Rubik"/>
+                  <a:sym typeface="Rubik"/>
+                </a:rPr>
+                <a:t>Add a Team Members Page</a:t>
+              </a:r>
+              <a:endParaRPr sz="700">
+                <a:solidFill>
+                  <a:schemeClr val="lt1"/>
+                </a:solidFill>
+              </a:endParaRPr>
+            </a:p>
+          </p:txBody>
+        </p:sp>
+      </p:grpSp>
+      <p:sp>
+        <p:nvSpPr>
+          <p:cNvPr id="272" name="Google Shape;272;p23"/>
+          <p:cNvSpPr/>
+          <p:nvPr/>
+        </p:nvSpPr>
+        <p:spPr>
+          <a:xfrm>
+            <a:off x="2829618" y="-2914366"/>
+            <a:ext cx="3492720" cy="3508375"/>
+          </a:xfrm>
+          <a:custGeom>
+            <a:avLst/>
+            <a:gdLst/>
+            <a:ahLst/>
+            <a:cxnLst/>
+            <a:rect l="l" t="t" r="r" b="b"/>
+            <a:pathLst>
+              <a:path w="6321665" h="6350000" extrusionOk="0">
+                <a:moveTo>
+                  <a:pt x="3160833" y="0"/>
+                </a:moveTo>
+                <a:lnTo>
+                  <a:pt x="3160833" y="0"/>
+                </a:lnTo>
+                <a:cubicBezTo>
+                  <a:pt x="4908795" y="7817"/>
+                  <a:pt x="6321666" y="1427021"/>
+                  <a:pt x="6321666" y="3175000"/>
+                </a:cubicBezTo>
+                <a:cubicBezTo>
+                  <a:pt x="6321666" y="4922979"/>
+                  <a:pt x="4908795" y="6342183"/>
+                  <a:pt x="3160833" y="6350000"/>
+                </a:cubicBezTo>
+                <a:cubicBezTo>
+                  <a:pt x="1412871" y="6342183"/>
+                  <a:pt x="0" y="4922979"/>
+                  <a:pt x="0" y="3175000"/>
+                </a:cubicBezTo>
+                <a:cubicBezTo>
+                  <a:pt x="0" y="1427021"/>
+                  <a:pt x="1412871" y="7817"/>
+                  <a:pt x="3160833" y="0"/>
+                </a:cubicBezTo>
+                <a:close/>
+              </a:path>
+            </a:pathLst>
+          </a:custGeom>
+          <a:solidFill>
+            <a:schemeClr val="lt2"/>
+          </a:solidFill>
+          <a:ln>
+            <a:noFill/>
+          </a:ln>
+        </p:spPr>
+        <p:txBody>
+          <a:bodyPr spcFirstLastPara="1" wrap="square" lIns="45725" tIns="45725" rIns="45725" bIns="45725" anchor="ctr" anchorCtr="0">
+            <a:noAutofit/>
+          </a:bodyPr>
+          <a:lstStyle/>
+          <a:p>
+            <a:pPr marL="0" lvl="0" indent="0" algn="l" rtl="0">
+              <a:spcBef>
+                <a:spcPts val="0"/>
+              </a:spcBef>
+              <a:spcAft>
+                <a:spcPts val="0"/>
+              </a:spcAft>
+              <a:buNone/>
+            </a:pPr>
+            <a:endParaRPr/>
+          </a:p>
+        </p:txBody>
+      </p:sp>
+      <p:pic>
+        <p:nvPicPr>
+          <p:cNvPr id="273" name="Google Shape;273;p23"/>
+          <p:cNvPicPr preferRelativeResize="0"/>
+          <p:nvPr/>
+        </p:nvPicPr>
+        <p:blipFill rotWithShape="1">
+          <a:blip r:embed="rId3">
+            <a:alphaModFix/>
+          </a:blip>
+          <a:srcRect l="26463" t="988" r="25804" b="27414"/>
+          <a:stretch/>
+        </p:blipFill>
+        <p:spPr>
+          <a:xfrm>
+            <a:off x="945730" y="2571750"/>
+            <a:ext cx="1139814" cy="1139813"/>
+          </a:xfrm>
+          <a:prstGeom prst="rect">
+            <a:avLst/>
+          </a:prstGeom>
+          <a:noFill/>
+          <a:ln>
+            <a:noFill/>
+          </a:ln>
+        </p:spPr>
+      </p:pic>
+      <p:pic>
+        <p:nvPicPr>
+          <p:cNvPr id="274" name="Google Shape;274;p23"/>
+          <p:cNvPicPr preferRelativeResize="0"/>
+          <p:nvPr/>
+        </p:nvPicPr>
+        <p:blipFill rotWithShape="1">
+          <a:blip r:embed="rId4">
+            <a:alphaModFix/>
+          </a:blip>
+          <a:srcRect l="21921" t="1463" r="23573" b="16777"/>
+          <a:stretch/>
+        </p:blipFill>
+        <p:spPr>
+          <a:xfrm>
+            <a:off x="2983305" y="2571750"/>
+            <a:ext cx="1139813" cy="1139813"/>
+          </a:xfrm>
+          <a:prstGeom prst="rect">
+            <a:avLst/>
+          </a:prstGeom>
+          <a:noFill/>
+          <a:ln>
+            <a:noFill/>
+          </a:ln>
+        </p:spPr>
+      </p:pic>
+      <p:pic>
+        <p:nvPicPr>
+          <p:cNvPr id="275" name="Google Shape;275;p23"/>
+          <p:cNvPicPr preferRelativeResize="0"/>
+          <p:nvPr/>
+        </p:nvPicPr>
+        <p:blipFill rotWithShape="1">
+          <a:blip r:embed="rId5">
+            <a:alphaModFix/>
+          </a:blip>
+          <a:srcRect l="38254" t="17591" r="45541" b="58103"/>
+          <a:stretch/>
+        </p:blipFill>
+        <p:spPr>
+          <a:xfrm>
+            <a:off x="5034020" y="2571750"/>
+            <a:ext cx="1139813" cy="1139813"/>
+          </a:xfrm>
+          <a:prstGeom prst="rect">
+            <a:avLst/>
+          </a:prstGeom>
+          <a:noFill/>
+          <a:ln>
+            <a:noFill/>
+          </a:ln>
+        </p:spPr>
+      </p:pic>
+      <p:pic>
+        <p:nvPicPr>
+          <p:cNvPr id="276" name="Google Shape;276;p23"/>
+          <p:cNvPicPr preferRelativeResize="0"/>
+          <p:nvPr/>
+        </p:nvPicPr>
+        <p:blipFill rotWithShape="1">
+          <a:blip r:embed="rId6">
+            <a:alphaModFix/>
+          </a:blip>
+          <a:srcRect l="4878" t="28189" r="17306" b="19935"/>
+          <a:stretch/>
+        </p:blipFill>
+        <p:spPr>
+          <a:xfrm>
+            <a:off x="7058457" y="2571750"/>
+            <a:ext cx="1139814" cy="1139813"/>
+          </a:xfrm>
+          <a:prstGeom prst="rect">
+            <a:avLst/>
+          </a:prstGeom>
+          <a:noFill/>
+          <a:ln>
+            <a:noFill/>
+          </a:ln>
+        </p:spPr>
+      </p:pic>
+    </p:spTree>
+    <p:extLst>
+      <p:ext uri="{BB962C8B-B14F-4D97-AF65-F5344CB8AC3E}">
+        <p14:creationId xmlns:p14="http://schemas.microsoft.com/office/powerpoint/2010/main" val="1259738260"/>
+      </p:ext>
+    </p:extLst>
+  </p:cSld>
+  <p:clrMapOvr>
+    <a:masterClrMapping/>
+  </p:clrMapOvr>
+</p:sld>
+</file>
+
+<file path=ppt/slides/slide11.xml><?xml version="1.0" encoding="utf-8"?>
+<p:sld xmlns:a="http://schemas.openxmlformats.org/drawingml/2006/main" xmlns:r="http://schemas.openxmlformats.org/officeDocument/2006/relationships" xmlns:p="http://schemas.openxmlformats.org/presentationml/2006/main">
+  <p:cSld>
+    <p:bg>
+      <p:bgPr>
+        <a:gradFill>
+          <a:gsLst>
+            <a:gs pos="0">
+              <a:srgbClr val="FFD966"/>
+            </a:gs>
+            <a:gs pos="100000">
+              <a:srgbClr val="FF9900"/>
+            </a:gs>
+          </a:gsLst>
+          <a:path path="circle">
+            <a:fillToRect l="50000" t="50000" r="50000" b="50000"/>
+          </a:path>
+          <a:tileRect/>
+        </a:gradFill>
+        <a:effectLst/>
+      </p:bgPr>
+    </p:bg>
+    <p:spTree>
+      <p:nvGrpSpPr>
+        <p:cNvPr id="1" name="Shape 577"/>
+        <p:cNvGrpSpPr/>
+        <p:nvPr/>
+      </p:nvGrpSpPr>
+      <p:grpSpPr>
+        <a:xfrm>
+          <a:off x="0" y="0"/>
+          <a:ext cx="0" cy="0"/>
+          <a:chOff x="0" y="0"/>
+          <a:chExt cx="0" cy="0"/>
+        </a:xfrm>
+      </p:grpSpPr>
+      <p:sp>
+        <p:nvSpPr>
+          <p:cNvPr id="2" name="TextBox 1"/>
+          <p:cNvSpPr txBox="1"/>
+          <p:nvPr/>
+        </p:nvSpPr>
+        <p:spPr>
+          <a:xfrm>
+            <a:off x="1852863" y="1804736"/>
+            <a:ext cx="5317959" cy="1107996"/>
+          </a:xfrm>
+          <a:prstGeom prst="rect">
+            <a:avLst/>
+          </a:prstGeom>
+          <a:noFill/>
+        </p:spPr>
+        <p:txBody>
+          <a:bodyPr wrap="square" rtlCol="0">
+            <a:spAutoFit/>
+          </a:bodyPr>
+          <a:lstStyle/>
+          <a:p>
+            <a:r>
+              <a:rPr lang="en-US" sz="6600" b="1" dirty="0" smtClean="0">
+                <a:solidFill>
+                  <a:srgbClr val="FF0000"/>
+                </a:solidFill>
+              </a:rPr>
+              <a:t>THANK YOU</a:t>
+            </a:r>
+            <a:endParaRPr lang="en-IN" sz="6600" b="1" dirty="0">
+              <a:solidFill>
+                <a:srgbClr val="FF0000"/>
+              </a:solidFill>
+            </a:endParaRPr>
+          </a:p>
+        </p:txBody>
+      </p:sp>
+    </p:spTree>
+  </p:cSld>
+  <p:clrMapOvr>
+    <a:masterClrMapping/>
+  </p:clrMapOvr>
+  <p:timing>
+    <p:tnLst>
+      <p:par>
+        <p:cTn id="1" dur="indefinite" restart="never" nodeType="tmRoot"/>
+      </p:par>
+    </p:tnLst>
+  </p:timing>
+</p:sld>
+</file>
+
 <file path=ppt/slides/slide2.xml><?xml version="1.0" encoding="utf-8"?>
 <p:sld xmlns:a="http://schemas.openxmlformats.org/drawingml/2006/main" xmlns:r="http://schemas.openxmlformats.org/officeDocument/2006/relationships" xmlns:p="http://schemas.openxmlformats.org/presentationml/2006/main">
   <p:cSld>
@@ -17562,7 +18847,7 @@
         <p:spPr>
           <a:xfrm>
             <a:off x="0" y="0"/>
-            <a:ext cx="9144000" cy="1893300"/>
+            <a:ext cx="9144000" cy="1447800"/>
           </a:xfrm>
           <a:prstGeom prst="rect">
             <a:avLst/>
@@ -17706,7 +18991,7 @@
         </p:nvSpPr>
         <p:spPr>
           <a:xfrm>
-            <a:off x="4073240" y="547233"/>
+            <a:off x="2259320" y="81712"/>
             <a:ext cx="5241851" cy="1077218"/>
           </a:xfrm>
           <a:prstGeom prst="rect">
@@ -17720,12 +19005,14 @@
           </a:bodyPr>
           <a:lstStyle/>
           <a:p>
+            <a:pPr algn="ctr"/>
             <a:r>
               <a:rPr lang="en-US" sz="3200" b="1" dirty="0"/>
               <a:t>Key Features at a Glance</a:t>
             </a:r>
           </a:p>
           <a:p>
+            <a:pPr algn="ctr"/>
             <a:endParaRPr lang="en-IN" sz="3200" dirty="0"/>
           </a:p>
         </p:txBody>
@@ -17738,8 +19025,8 @@
         </p:nvSpPr>
         <p:spPr>
           <a:xfrm>
-            <a:off x="3961057" y="2133362"/>
-            <a:ext cx="5241851" cy="2677656"/>
+            <a:off x="5035150" y="1581411"/>
+            <a:ext cx="4054379" cy="3323987"/>
           </a:xfrm>
           <a:prstGeom prst="rect">
             <a:avLst/>
@@ -17838,7 +19125,7 @@
       </p:sp>
       <p:pic>
         <p:nvPicPr>
-          <p:cNvPr id="6" name="Picture 5"/>
+          <p:cNvPr id="2" name="Picture 1"/>
           <p:cNvPicPr>
             <a:picLocks noChangeAspect="1"/>
           </p:cNvPicPr>
@@ -17858,8 +19145,8 @@
         </p:blipFill>
         <p:spPr>
           <a:xfrm>
-            <a:off x="-297712" y="0"/>
-            <a:ext cx="4258769" cy="5143500"/>
+            <a:off x="169194" y="1004130"/>
+            <a:ext cx="4811486" cy="3936547"/>
           </a:xfrm>
           <a:prstGeom prst="rect">
             <a:avLst/>
@@ -18910,7 +20197,7 @@
       </p:grpSpPr>
       <p:pic>
         <p:nvPicPr>
-          <p:cNvPr id="5" name="Picture 4"/>
+          <p:cNvPr id="2" name="Picture 1"/>
           <p:cNvPicPr>
             <a:picLocks noChangeAspect="1"/>
           </p:cNvPicPr>
@@ -18930,8 +20217,8 @@
         </p:blipFill>
         <p:spPr>
           <a:xfrm>
-            <a:off x="4640911" y="531629"/>
-            <a:ext cx="4151961" cy="4151961"/>
+            <a:off x="4510283" y="1061731"/>
+            <a:ext cx="4416003" cy="3618343"/>
           </a:xfrm>
           <a:prstGeom prst="rect">
             <a:avLst/>
@@ -19177,6 +20464,510 @@
 </file>
 
 <file path=ppt/slides/slide7.xml><?xml version="1.0" encoding="utf-8"?>
+<p:sld xmlns:a="http://schemas.openxmlformats.org/drawingml/2006/main" xmlns:r="http://schemas.openxmlformats.org/officeDocument/2006/relationships" xmlns:p="http://schemas.openxmlformats.org/presentationml/2006/main">
+  <p:cSld>
+    <p:bg>
+      <p:bgPr>
+        <a:solidFill>
+          <a:schemeClr val="tx2">
+            <a:lumMod val="40000"/>
+            <a:lumOff val="60000"/>
+          </a:schemeClr>
+        </a:solidFill>
+        <a:effectLst/>
+      </p:bgPr>
+    </p:bg>
+    <p:spTree>
+      <p:nvGrpSpPr>
+        <p:cNvPr id="1" name="Shape 329"/>
+        <p:cNvGrpSpPr/>
+        <p:nvPr/>
+      </p:nvGrpSpPr>
+      <p:grpSpPr>
+        <a:xfrm>
+          <a:off x="0" y="0"/>
+          <a:ext cx="0" cy="0"/>
+          <a:chOff x="0" y="0"/>
+          <a:chExt cx="0" cy="0"/>
+        </a:xfrm>
+      </p:grpSpPr>
+      <p:sp>
+        <p:nvSpPr>
+          <p:cNvPr id="341" name="Google Shape;341;p29"/>
+          <p:cNvSpPr/>
+          <p:nvPr/>
+        </p:nvSpPr>
+        <p:spPr>
+          <a:xfrm rot="-5400000">
+            <a:off x="2450793" y="-1834160"/>
+            <a:ext cx="2655099" cy="2667000"/>
+          </a:xfrm>
+          <a:custGeom>
+            <a:avLst/>
+            <a:gdLst/>
+            <a:ahLst/>
+            <a:cxnLst/>
+            <a:rect l="l" t="t" r="r" b="b"/>
+            <a:pathLst>
+              <a:path w="6321665" h="6350000" extrusionOk="0">
+                <a:moveTo>
+                  <a:pt x="3160833" y="0"/>
+                </a:moveTo>
+                <a:lnTo>
+                  <a:pt x="3160833" y="0"/>
+                </a:lnTo>
+                <a:cubicBezTo>
+                  <a:pt x="4908795" y="7817"/>
+                  <a:pt x="6321666" y="1427021"/>
+                  <a:pt x="6321666" y="3175000"/>
+                </a:cubicBezTo>
+                <a:cubicBezTo>
+                  <a:pt x="6321666" y="4922979"/>
+                  <a:pt x="4908795" y="6342183"/>
+                  <a:pt x="3160833" y="6350000"/>
+                </a:cubicBezTo>
+                <a:cubicBezTo>
+                  <a:pt x="1412871" y="6342183"/>
+                  <a:pt x="0" y="4922979"/>
+                  <a:pt x="0" y="3175000"/>
+                </a:cubicBezTo>
+                <a:cubicBezTo>
+                  <a:pt x="0" y="1427021"/>
+                  <a:pt x="1412871" y="7817"/>
+                  <a:pt x="3160833" y="0"/>
+                </a:cubicBezTo>
+                <a:close/>
+              </a:path>
+            </a:pathLst>
+          </a:custGeom>
+          <a:solidFill>
+            <a:schemeClr val="accent1"/>
+          </a:solidFill>
+          <a:ln>
+            <a:noFill/>
+          </a:ln>
+        </p:spPr>
+        <p:txBody>
+          <a:bodyPr spcFirstLastPara="1" wrap="square" lIns="45725" tIns="45725" rIns="45725" bIns="45725" anchor="ctr" anchorCtr="0">
+            <a:noAutofit/>
+          </a:bodyPr>
+          <a:lstStyle/>
+          <a:p>
+            <a:pPr marL="0" lvl="0" indent="0" algn="l" rtl="0">
+              <a:spcBef>
+                <a:spcPts val="0"/>
+              </a:spcBef>
+              <a:spcAft>
+                <a:spcPts val="0"/>
+              </a:spcAft>
+              <a:buNone/>
+            </a:pPr>
+            <a:endParaRPr b="1"/>
+          </a:p>
+        </p:txBody>
+      </p:sp>
+      <p:pic>
+        <p:nvPicPr>
+          <p:cNvPr id="5" name="Picture 4"/>
+          <p:cNvPicPr>
+            <a:picLocks noChangeAspect="1"/>
+          </p:cNvPicPr>
+          <p:nvPr/>
+        </p:nvPicPr>
+        <p:blipFill>
+          <a:blip r:embed="rId3">
+            <a:extLst>
+              <a:ext uri="{28A0092B-C50C-407E-A947-70E740481C1C}">
+                <a14:useLocalDpi xmlns:a14="http://schemas.microsoft.com/office/drawing/2010/main" val="0"/>
+              </a:ext>
+            </a:extLst>
+          </a:blip>
+          <a:stretch>
+            <a:fillRect/>
+          </a:stretch>
+        </p:blipFill>
+        <p:spPr>
+          <a:xfrm>
+            <a:off x="239487" y="189758"/>
+            <a:ext cx="5517604" cy="4238112"/>
+          </a:xfrm>
+          <a:prstGeom prst="rect">
+            <a:avLst/>
+          </a:prstGeom>
+        </p:spPr>
+      </p:pic>
+      <p:sp>
+        <p:nvSpPr>
+          <p:cNvPr id="340" name="Google Shape;340;p29"/>
+          <p:cNvSpPr/>
+          <p:nvPr/>
+        </p:nvSpPr>
+        <p:spPr>
+          <a:xfrm rot="-5400000">
+            <a:off x="-1111619" y="3885876"/>
+            <a:ext cx="2655099" cy="2667000"/>
+          </a:xfrm>
+          <a:custGeom>
+            <a:avLst/>
+            <a:gdLst/>
+            <a:ahLst/>
+            <a:cxnLst/>
+            <a:rect l="l" t="t" r="r" b="b"/>
+            <a:pathLst>
+              <a:path w="6321665" h="6350000" extrusionOk="0">
+                <a:moveTo>
+                  <a:pt x="3160833" y="0"/>
+                </a:moveTo>
+                <a:lnTo>
+                  <a:pt x="3160833" y="0"/>
+                </a:lnTo>
+                <a:cubicBezTo>
+                  <a:pt x="4908795" y="7817"/>
+                  <a:pt x="6321666" y="1427021"/>
+                  <a:pt x="6321666" y="3175000"/>
+                </a:cubicBezTo>
+                <a:cubicBezTo>
+                  <a:pt x="6321666" y="4922979"/>
+                  <a:pt x="4908795" y="6342183"/>
+                  <a:pt x="3160833" y="6350000"/>
+                </a:cubicBezTo>
+                <a:cubicBezTo>
+                  <a:pt x="1412871" y="6342183"/>
+                  <a:pt x="0" y="4922979"/>
+                  <a:pt x="0" y="3175000"/>
+                </a:cubicBezTo>
+                <a:cubicBezTo>
+                  <a:pt x="0" y="1427021"/>
+                  <a:pt x="1412871" y="7817"/>
+                  <a:pt x="3160833" y="0"/>
+                </a:cubicBezTo>
+                <a:close/>
+              </a:path>
+            </a:pathLst>
+          </a:custGeom>
+          <a:solidFill>
+            <a:schemeClr val="lt2"/>
+          </a:solidFill>
+          <a:ln>
+            <a:noFill/>
+          </a:ln>
+        </p:spPr>
+        <p:txBody>
+          <a:bodyPr spcFirstLastPara="1" wrap="square" lIns="45725" tIns="45725" rIns="45725" bIns="45725" anchor="ctr" anchorCtr="0">
+            <a:noAutofit/>
+          </a:bodyPr>
+          <a:lstStyle/>
+          <a:p>
+            <a:pPr marL="0" lvl="0" indent="0" algn="l" rtl="0">
+              <a:spcBef>
+                <a:spcPts val="0"/>
+              </a:spcBef>
+              <a:spcAft>
+                <a:spcPts val="0"/>
+              </a:spcAft>
+              <a:buNone/>
+            </a:pPr>
+            <a:endParaRPr b="1"/>
+          </a:p>
+        </p:txBody>
+      </p:sp>
+      <p:sp>
+        <p:nvSpPr>
+          <p:cNvPr id="342" name="Google Shape;342;p29"/>
+          <p:cNvSpPr/>
+          <p:nvPr/>
+        </p:nvSpPr>
+        <p:spPr>
+          <a:xfrm rot="-5400000">
+            <a:off x="8447633" y="1962146"/>
+            <a:ext cx="2655099" cy="2667000"/>
+          </a:xfrm>
+          <a:custGeom>
+            <a:avLst/>
+            <a:gdLst/>
+            <a:ahLst/>
+            <a:cxnLst/>
+            <a:rect l="l" t="t" r="r" b="b"/>
+            <a:pathLst>
+              <a:path w="6321665" h="6350000" extrusionOk="0">
+                <a:moveTo>
+                  <a:pt x="3160833" y="0"/>
+                </a:moveTo>
+                <a:lnTo>
+                  <a:pt x="3160833" y="0"/>
+                </a:lnTo>
+                <a:cubicBezTo>
+                  <a:pt x="4908795" y="7817"/>
+                  <a:pt x="6321666" y="1427021"/>
+                  <a:pt x="6321666" y="3175000"/>
+                </a:cubicBezTo>
+                <a:cubicBezTo>
+                  <a:pt x="6321666" y="4922979"/>
+                  <a:pt x="4908795" y="6342183"/>
+                  <a:pt x="3160833" y="6350000"/>
+                </a:cubicBezTo>
+                <a:cubicBezTo>
+                  <a:pt x="1412871" y="6342183"/>
+                  <a:pt x="0" y="4922979"/>
+                  <a:pt x="0" y="3175000"/>
+                </a:cubicBezTo>
+                <a:cubicBezTo>
+                  <a:pt x="0" y="1427021"/>
+                  <a:pt x="1412871" y="7817"/>
+                  <a:pt x="3160833" y="0"/>
+                </a:cubicBezTo>
+                <a:close/>
+              </a:path>
+            </a:pathLst>
+          </a:custGeom>
+          <a:solidFill>
+            <a:schemeClr val="dk2"/>
+          </a:solidFill>
+          <a:ln>
+            <a:noFill/>
+          </a:ln>
+        </p:spPr>
+        <p:txBody>
+          <a:bodyPr spcFirstLastPara="1" wrap="square" lIns="45725" tIns="45725" rIns="45725" bIns="45725" anchor="ctr" anchorCtr="0">
+            <a:noAutofit/>
+          </a:bodyPr>
+          <a:lstStyle/>
+          <a:p>
+            <a:pPr marL="0" lvl="0" indent="0" algn="l" rtl="0">
+              <a:spcBef>
+                <a:spcPts val="0"/>
+              </a:spcBef>
+              <a:spcAft>
+                <a:spcPts val="0"/>
+              </a:spcAft>
+              <a:buNone/>
+            </a:pPr>
+            <a:endParaRPr b="1"/>
+          </a:p>
+        </p:txBody>
+      </p:sp>
+      <p:sp>
+        <p:nvSpPr>
+          <p:cNvPr id="3" name="TextBox 2"/>
+          <p:cNvSpPr txBox="1"/>
+          <p:nvPr/>
+        </p:nvSpPr>
+        <p:spPr>
+          <a:xfrm>
+            <a:off x="5399314" y="457558"/>
+            <a:ext cx="3042368" cy="369332"/>
+          </a:xfrm>
+          <a:prstGeom prst="rect">
+            <a:avLst/>
+          </a:prstGeom>
+          <a:noFill/>
+        </p:spPr>
+        <p:txBody>
+          <a:bodyPr wrap="square" rtlCol="0">
+            <a:spAutoFit/>
+          </a:bodyPr>
+          <a:lstStyle/>
+          <a:p>
+            <a:r>
+              <a:rPr lang="en-US" sz="1800" b="1" dirty="0" smtClean="0"/>
+              <a:t>        The </a:t>
+            </a:r>
+            <a:r>
+              <a:rPr lang="en-US" sz="1800" b="1" dirty="0"/>
+              <a:t>Explore Page</a:t>
+            </a:r>
+            <a:endParaRPr lang="en-IN" sz="1800" b="1" dirty="0"/>
+          </a:p>
+        </p:txBody>
+      </p:sp>
+      <p:sp>
+        <p:nvSpPr>
+          <p:cNvPr id="4" name="TextBox 3"/>
+          <p:cNvSpPr txBox="1"/>
+          <p:nvPr/>
+        </p:nvSpPr>
+        <p:spPr>
+          <a:xfrm>
+            <a:off x="5913645" y="1175875"/>
+            <a:ext cx="2528037" cy="830997"/>
+          </a:xfrm>
+          <a:prstGeom prst="rect">
+            <a:avLst/>
+          </a:prstGeom>
+          <a:noFill/>
+        </p:spPr>
+        <p:txBody>
+          <a:bodyPr wrap="square" rtlCol="0">
+            <a:spAutoFit/>
+          </a:bodyPr>
+          <a:lstStyle/>
+          <a:p>
+            <a:r>
+              <a:rPr lang="en-US" sz="1200" b="1" dirty="0"/>
+              <a:t>Central Hub for Opportunities</a:t>
+            </a:r>
+            <a:r>
+              <a:rPr lang="en-US" sz="1200" dirty="0"/>
+              <a:t/>
+            </a:r>
+            <a:br>
+              <a:rPr lang="en-US" sz="1200" dirty="0"/>
+            </a:br>
+            <a:r>
+              <a:rPr lang="en-US" sz="1200" dirty="0" smtClean="0"/>
+              <a:t>Curates </a:t>
+            </a:r>
+            <a:r>
+              <a:rPr lang="en-US" sz="1200" dirty="0"/>
+              <a:t>relevant </a:t>
+            </a:r>
+            <a:r>
+              <a:rPr lang="en-US" sz="1200" b="1" dirty="0"/>
+              <a:t>upcoming events</a:t>
+            </a:r>
+            <a:r>
+              <a:rPr lang="en-US" sz="1200" dirty="0"/>
+              <a:t>, making it easy for users to stay updated and engaged</a:t>
+            </a:r>
+            <a:endParaRPr lang="en-IN" sz="1200" dirty="0"/>
+          </a:p>
+        </p:txBody>
+      </p:sp>
+      <p:sp>
+        <p:nvSpPr>
+          <p:cNvPr id="6" name="TextBox 5"/>
+          <p:cNvSpPr txBox="1"/>
+          <p:nvPr/>
+        </p:nvSpPr>
+        <p:spPr>
+          <a:xfrm>
+            <a:off x="5913645" y="2178186"/>
+            <a:ext cx="2707841" cy="830997"/>
+          </a:xfrm>
+          <a:prstGeom prst="rect">
+            <a:avLst/>
+          </a:prstGeom>
+          <a:noFill/>
+        </p:spPr>
+        <p:txBody>
+          <a:bodyPr wrap="square" rtlCol="0">
+            <a:spAutoFit/>
+          </a:bodyPr>
+          <a:lstStyle/>
+          <a:p>
+            <a:r>
+              <a:rPr lang="en-US" sz="1200" b="1" dirty="0"/>
+              <a:t>Guided Discovery</a:t>
+            </a:r>
+            <a:r>
+              <a:rPr lang="en-US" sz="1200" dirty="0"/>
+              <a:t/>
+            </a:r>
+            <a:br>
+              <a:rPr lang="en-US" sz="1200" dirty="0"/>
+            </a:br>
+            <a:r>
+              <a:rPr lang="en-US" sz="1200" dirty="0" smtClean="0"/>
+              <a:t> </a:t>
+            </a:r>
+            <a:r>
+              <a:rPr lang="en-US" sz="1200" dirty="0"/>
+              <a:t>Helps users find events that match their </a:t>
+            </a:r>
+            <a:r>
+              <a:rPr lang="en-US" sz="1200" b="1" dirty="0"/>
+              <a:t>skill level</a:t>
+            </a:r>
+            <a:r>
+              <a:rPr lang="en-US" sz="1200" dirty="0"/>
+              <a:t> and </a:t>
+            </a:r>
+            <a:r>
+              <a:rPr lang="en-US" sz="1200" b="1" dirty="0"/>
+              <a:t>career interests</a:t>
+            </a:r>
+            <a:r>
+              <a:rPr lang="en-US" sz="1200" dirty="0"/>
+              <a:t>, reducing overwhelm.</a:t>
+            </a:r>
+            <a:endParaRPr lang="en-IN" sz="1200" dirty="0"/>
+          </a:p>
+        </p:txBody>
+      </p:sp>
+      <p:sp>
+        <p:nvSpPr>
+          <p:cNvPr id="7" name="TextBox 6"/>
+          <p:cNvSpPr txBox="1"/>
+          <p:nvPr/>
+        </p:nvSpPr>
+        <p:spPr>
+          <a:xfrm>
+            <a:off x="5913645" y="3177264"/>
+            <a:ext cx="2528037" cy="1015663"/>
+          </a:xfrm>
+          <a:prstGeom prst="rect">
+            <a:avLst/>
+          </a:prstGeom>
+          <a:noFill/>
+        </p:spPr>
+        <p:txBody>
+          <a:bodyPr wrap="square" rtlCol="0">
+            <a:spAutoFit/>
+          </a:bodyPr>
+          <a:lstStyle/>
+          <a:p>
+            <a:r>
+              <a:rPr lang="en-US" sz="1200" b="1" dirty="0"/>
+              <a:t>Informed Decision-Making</a:t>
+            </a:r>
+            <a:r>
+              <a:rPr lang="en-US" sz="1200" dirty="0"/>
+              <a:t/>
+            </a:r>
+            <a:br>
+              <a:rPr lang="en-US" sz="1200" dirty="0"/>
+            </a:br>
+            <a:r>
+              <a:rPr lang="en-US" sz="1200" dirty="0" smtClean="0"/>
+              <a:t>Provides </a:t>
+            </a:r>
+            <a:r>
+              <a:rPr lang="en-US" sz="1200" dirty="0"/>
+              <a:t>key info like </a:t>
+            </a:r>
+            <a:r>
+              <a:rPr lang="en-US" sz="1200" b="1" dirty="0"/>
+              <a:t>format, location, difficulty, and ratings</a:t>
+            </a:r>
+            <a:r>
+              <a:rPr lang="en-US" sz="1200" dirty="0"/>
+              <a:t> at a glance — aiding in better planning.</a:t>
+            </a:r>
+            <a:endParaRPr lang="en-IN" sz="1200" dirty="0"/>
+          </a:p>
+        </p:txBody>
+      </p:sp>
+    </p:spTree>
+    <p:extLst>
+      <p:ext uri="{BB962C8B-B14F-4D97-AF65-F5344CB8AC3E}">
+        <p14:creationId xmlns:p14="http://schemas.microsoft.com/office/powerpoint/2010/main" val="2521669682"/>
+      </p:ext>
+    </p:extLst>
+  </p:cSld>
+  <p:clrMapOvr>
+    <a:masterClrMapping/>
+  </p:clrMapOvr>
+  <p:timing>
+    <p:tnLst>
+      <p:par>
+        <p:cTn id="1" dur="indefinite" restart="never" nodeType="tmRoot"/>
+      </p:par>
+    </p:tnLst>
+  </p:timing>
+</p:sld>
+</file>
+
+<file path=ppt/slides/slide8.xml><?xml version="1.0" encoding="utf-8"?>
 <p:sld xmlns:a="http://schemas.openxmlformats.org/drawingml/2006/main" xmlns:r="http://schemas.openxmlformats.org/officeDocument/2006/relationships" xmlns:p="http://schemas.openxmlformats.org/presentationml/2006/main">
   <p:cSld>
     <p:bg>
@@ -19813,7 +21604,7 @@
 </p:sld>
 </file>
 
-<file path=ppt/slides/slide8.xml><?xml version="1.0" encoding="utf-8"?>
+<file path=ppt/slides/slide9.xml><?xml version="1.0" encoding="utf-8"?>
 <p:sld xmlns:a="http://schemas.openxmlformats.org/drawingml/2006/main" xmlns:r="http://schemas.openxmlformats.org/officeDocument/2006/relationships" xmlns:p="http://schemas.openxmlformats.org/presentationml/2006/main">
   <p:cSld>
     <p:bg>
@@ -19958,95 +21749,6 @@
           </a:graphicData>
         </a:graphic>
       </p:graphicFrame>
-    </p:spTree>
-  </p:cSld>
-  <p:clrMapOvr>
-    <a:masterClrMapping/>
-  </p:clrMapOvr>
-  <p:timing>
-    <p:tnLst>
-      <p:par>
-        <p:cTn id="1" dur="indefinite" restart="never" nodeType="tmRoot"/>
-      </p:par>
-    </p:tnLst>
-  </p:timing>
-</p:sld>
-</file>
-
-<file path=ppt/slides/slide9.xml><?xml version="1.0" encoding="utf-8"?>
-<p:sld xmlns:a="http://schemas.openxmlformats.org/drawingml/2006/main" xmlns:r="http://schemas.openxmlformats.org/officeDocument/2006/relationships" xmlns:p="http://schemas.openxmlformats.org/presentationml/2006/main">
-  <p:cSld>
-    <p:bg>
-      <p:bgPr>
-        <a:gradFill>
-          <a:gsLst>
-            <a:gs pos="0">
-              <a:srgbClr val="FFD966"/>
-            </a:gs>
-            <a:gs pos="100000">
-              <a:srgbClr val="FF9900"/>
-            </a:gs>
-          </a:gsLst>
-          <a:path path="circle">
-            <a:fillToRect l="50000" t="50000" r="50000" b="50000"/>
-          </a:path>
-          <a:tileRect/>
-        </a:gradFill>
-        <a:effectLst/>
-      </p:bgPr>
-    </p:bg>
-    <p:spTree>
-      <p:nvGrpSpPr>
-        <p:cNvPr id="1" name="Shape 577"/>
-        <p:cNvGrpSpPr/>
-        <p:nvPr/>
-      </p:nvGrpSpPr>
-      <p:grpSpPr>
-        <a:xfrm>
-          <a:off x="0" y="0"/>
-          <a:ext cx="0" cy="0"/>
-          <a:chOff x="0" y="0"/>
-          <a:chExt cx="0" cy="0"/>
-        </a:xfrm>
-      </p:grpSpPr>
-      <p:sp>
-        <p:nvSpPr>
-          <p:cNvPr id="2" name="TextBox 1"/>
-          <p:cNvSpPr txBox="1"/>
-          <p:nvPr/>
-        </p:nvSpPr>
-        <p:spPr>
-          <a:xfrm>
-            <a:off x="1852863" y="1804736"/>
-            <a:ext cx="5317959" cy="1107996"/>
-          </a:xfrm>
-          <a:prstGeom prst="rect">
-            <a:avLst/>
-          </a:prstGeom>
-          <a:noFill/>
-        </p:spPr>
-        <p:txBody>
-          <a:bodyPr wrap="square" rtlCol="0">
-            <a:spAutoFit/>
-          </a:bodyPr>
-          <a:lstStyle/>
-          <a:p>
-            <a:r>
-              <a:rPr lang="en-US" sz="6600" b="1" dirty="0" smtClean="0">
-                <a:solidFill>
-                  <a:srgbClr val="FF0000"/>
-                </a:solidFill>
-              </a:rPr>
-              <a:t>THANK YOU</a:t>
-            </a:r>
-            <a:endParaRPr lang="en-IN" sz="6600" b="1" dirty="0">
-              <a:solidFill>
-                <a:srgbClr val="FF0000"/>
-              </a:solidFill>
-            </a:endParaRPr>
-          </a:p>
-        </p:txBody>
-      </p:sp>
     </p:spTree>
   </p:cSld>
   <p:clrMapOvr>
